--- a/Estudiar/Ppts/ProgramacionII_Clase_18-2018 Interfaces.pptx
+++ b/Estudiar/Ppts/ProgramacionII_Clase_18-2018 Interfaces.pptx
@@ -394,7 +394,7 @@
           <a:p>
             <a:fld id="{78ABE3C1-DBE1-495D-B57B-2849774B866A}" type="datetimeFigureOut">
               <a:rPr lang="en-US" dirty="0"/>
-              <a:t>10/18/2018</a:t>
+              <a:t>5/22/2019</a:t>
             </a:fld>
             <a:endParaRPr lang="en-US" dirty="0"/>
           </a:p>
@@ -803,7 +803,7 @@
           <a:p>
             <a:fld id="{446C117F-5CCF-4837-BE5F-2B92066CAFAF}" type="datetimeFigureOut">
               <a:rPr lang="en-US" dirty="0"/>
-              <a:t>10/18/2018</a:t>
+              <a:t>5/22/2019</a:t>
             </a:fld>
             <a:endParaRPr lang="en-US" dirty="0"/>
           </a:p>
@@ -1134,7 +1134,7 @@
           <a:p>
             <a:fld id="{84EB90BD-B6CE-46B7-997F-7313B992CCDC}" type="datetimeFigureOut">
               <a:rPr lang="en-US" dirty="0"/>
-              <a:t>10/18/2018</a:t>
+              <a:t>5/22/2019</a:t>
             </a:fld>
             <a:endParaRPr lang="en-US" dirty="0"/>
           </a:p>
@@ -1534,7 +1534,7 @@
           <a:p>
             <a:fld id="{CDB9D11F-B188-461D-B23F-39381795C052}" type="datetimeFigureOut">
               <a:rPr lang="en-US" dirty="0"/>
-              <a:t>10/18/2018</a:t>
+              <a:t>5/22/2019</a:t>
             </a:fld>
             <a:endParaRPr lang="en-US" dirty="0"/>
           </a:p>
@@ -2097,7 +2097,7 @@
           <a:p>
             <a:fld id="{52E6D8D9-55A2-4063-B0F3-121F44549695}" type="datetimeFigureOut">
               <a:rPr lang="en-US" dirty="0"/>
-              <a:t>10/18/2018</a:t>
+              <a:t>5/22/2019</a:t>
             </a:fld>
             <a:endParaRPr lang="en-US" dirty="0"/>
           </a:p>
@@ -2773,7 +2773,7 @@
           <a:p>
             <a:fld id="{D4B24536-994D-4021-A283-9F449C0DB509}" type="datetimeFigureOut">
               <a:rPr lang="en-US" dirty="0"/>
-              <a:t>10/18/2018</a:t>
+              <a:t>5/22/2019</a:t>
             </a:fld>
             <a:endParaRPr lang="en-US" dirty="0"/>
           </a:p>
@@ -3681,7 +3681,7 @@
           <a:p>
             <a:fld id="{3CBBBB78-C96F-47B7-AB17-D852CA960AC9}" type="datetimeFigureOut">
               <a:rPr lang="en-US" dirty="0"/>
-              <a:t>10/18/2018</a:t>
+              <a:t>5/22/2019</a:t>
             </a:fld>
             <a:endParaRPr lang="en-US" dirty="0"/>
           </a:p>
@@ -3989,7 +3989,7 @@
           <a:p>
             <a:fld id="{1FA3F48C-C7C6-4055-9F49-3777875E72AE}" type="datetimeFigureOut">
               <a:rPr lang="en-US" dirty="0"/>
-              <a:t>10/18/2018</a:t>
+              <a:t>5/22/2019</a:t>
             </a:fld>
             <a:endParaRPr lang="en-US" dirty="0"/>
           </a:p>
@@ -4248,7 +4248,7 @@
           <a:p>
             <a:fld id="{6178E61D-D431-422C-9764-11DAFE33AB63}" type="datetimeFigureOut">
               <a:rPr lang="en-US" dirty="0"/>
-              <a:t>10/18/2018</a:t>
+              <a:t>5/22/2019</a:t>
             </a:fld>
             <a:endParaRPr lang="en-US" dirty="0"/>
           </a:p>
@@ -4567,7 +4567,7 @@
           <a:p>
             <a:fld id="{12DE42F4-6EEF-4EF7-8ED4-2208F0F89A08}" type="datetimeFigureOut">
               <a:rPr lang="en-US" dirty="0"/>
-              <a:t>10/18/2018</a:t>
+              <a:t>5/22/2019</a:t>
             </a:fld>
             <a:endParaRPr lang="en-US" dirty="0"/>
           </a:p>
@@ -4951,7 +4951,7 @@
           <a:p>
             <a:fld id="{30578ACC-22D6-47C1-A373-4FD133E34F3C}" type="datetimeFigureOut">
               <a:rPr lang="en-US" dirty="0"/>
-              <a:t>10/18/2018</a:t>
+              <a:t>5/22/2019</a:t>
             </a:fld>
             <a:endParaRPr lang="en-US" dirty="0"/>
           </a:p>
@@ -5322,7 +5322,7 @@
           <a:p>
             <a:fld id="{4E5A6C69-6797-4E8A-BF37-F2C3751466E9}" type="datetimeFigureOut">
               <a:rPr lang="en-US" dirty="0"/>
-              <a:t>10/18/2018</a:t>
+              <a:t>5/22/2019</a:t>
             </a:fld>
             <a:endParaRPr lang="en-US" dirty="0"/>
           </a:p>
@@ -5823,7 +5823,7 @@
           <a:p>
             <a:fld id="{D82014A1-A632-4878-A0D3-F52BA7563730}" type="datetimeFigureOut">
               <a:rPr lang="en-US" dirty="0"/>
-              <a:t>10/18/2018</a:t>
+              <a:t>5/22/2019</a:t>
             </a:fld>
             <a:endParaRPr lang="en-US" dirty="0"/>
           </a:p>
@@ -6075,7 +6075,7 @@
           <a:p>
             <a:fld id="{CE99F462-093F-4566-844B-4C71F2739DA5}" type="datetimeFigureOut">
               <a:rPr lang="en-US" dirty="0"/>
-              <a:t>10/18/2018</a:t>
+              <a:t>5/22/2019</a:t>
             </a:fld>
             <a:endParaRPr lang="en-US" dirty="0"/>
           </a:p>
@@ -6233,7 +6233,7 @@
           <a:p>
             <a:fld id="{3D24A7AC-904D-4781-85BA-7D10C17ED021}" type="datetimeFigureOut">
               <a:rPr lang="en-US" dirty="0"/>
-              <a:t>10/18/2018</a:t>
+              <a:t>5/22/2019</a:t>
             </a:fld>
             <a:endParaRPr lang="en-US" dirty="0"/>
           </a:p>
@@ -6618,7 +6618,7 @@
           <a:p>
             <a:fld id="{E331444B-B92B-4E27-8C94-BB93EAF5CB18}" type="datetimeFigureOut">
               <a:rPr lang="en-US" dirty="0"/>
-              <a:t>10/18/2018</a:t>
+              <a:t>5/22/2019</a:t>
             </a:fld>
             <a:endParaRPr lang="en-US" dirty="0"/>
           </a:p>
@@ -7022,7 +7022,7 @@
           <a:p>
             <a:fld id="{363EFA5E-FA76-400D-B3DC-F0BA90E6D107}" type="datetimeFigureOut">
               <a:rPr lang="en-US" dirty="0"/>
-              <a:t>10/18/2018</a:t>
+              <a:t>5/22/2019</a:t>
             </a:fld>
             <a:endParaRPr lang="en-US" dirty="0"/>
           </a:p>
@@ -7261,7 +7261,7 @@
           <a:p>
             <a:fld id="{9D6E9DEC-419B-4CC5-A080-3B06BD5A8291}" type="datetimeFigureOut">
               <a:rPr lang="en-US" dirty="0"/>
-              <a:t>10/18/2018</a:t>
+              <a:t>5/22/2019</a:t>
             </a:fld>
             <a:endParaRPr lang="en-US" dirty="0"/>
           </a:p>
@@ -10744,7 +10744,7 @@
         <p:spPr>
           <a:xfrm>
             <a:off x="680321" y="2273833"/>
-            <a:ext cx="9613861" cy="3740602"/>
+            <a:ext cx="9613861" cy="4255756"/>
           </a:xfrm>
           <a:prstGeom prst="rect">
             <a:avLst/>
@@ -11211,13 +11211,22 @@
               <a:t> </a:t>
             </a:r>
             <a:r>
-              <a:rPr lang="es-AR" sz="2000" dirty="0" err="1">
+              <a:rPr lang="es-AR" sz="2000" dirty="0" err="1" smtClean="0">
                 <a:solidFill>
                   <a:srgbClr val="2B91AF"/>
                 </a:solidFill>
                 <a:latin typeface="Consolas" panose="020B0609020204030204" pitchFamily="49" charset="0"/>
               </a:rPr>
-              <a:t>PruebaInterfazImplicita</a:t>
+              <a:t>PruebaInterfazExplicita</a:t>
+            </a:r>
+            <a:r>
+              <a:rPr lang="es-AR" sz="2000" dirty="0" smtClean="0">
+                <a:solidFill>
+                  <a:srgbClr val="000000"/>
+                </a:solidFill>
+                <a:latin typeface="Consolas" panose="020B0609020204030204" pitchFamily="49" charset="0"/>
+              </a:rPr>
+              <a:t> </a:t>
             </a:r>
             <a:r>
               <a:rPr lang="es-AR" sz="2000" dirty="0">
@@ -11226,7 +11235,7 @@
                 </a:solidFill>
                 <a:latin typeface="Consolas" panose="020B0609020204030204" pitchFamily="49" charset="0"/>
               </a:rPr>
-              <a:t> : </a:t>
+              <a:t>: </a:t>
             </a:r>
             <a:r>
               <a:rPr lang="es-AR" sz="2000" dirty="0" err="1">
@@ -11867,13 +11876,31 @@
               <a:t>    </a:t>
             </a:r>
             <a:r>
+              <a:rPr lang="es-AR" sz="2000" dirty="0" err="1" smtClean="0">
+                <a:solidFill>
+                  <a:srgbClr val="000000"/>
+                </a:solidFill>
+                <a:latin typeface="Consolas" panose="020B0609020204030204" pitchFamily="49" charset="0"/>
+              </a:rPr>
+              <a:t>PruebaInterfazExplicita</a:t>
+            </a:r>
+            <a:r>
+              <a:rPr lang="es-AR" sz="2000" dirty="0" smtClean="0">
+                <a:solidFill>
+                  <a:srgbClr val="000000"/>
+                </a:solidFill>
+                <a:latin typeface="Consolas" panose="020B0609020204030204" pitchFamily="49" charset="0"/>
+              </a:rPr>
+              <a:t> </a:t>
+            </a:r>
+            <a:r>
               <a:rPr lang="es-AR" sz="2000" dirty="0" err="1">
                 <a:solidFill>
                   <a:srgbClr val="000000"/>
                 </a:solidFill>
                 <a:latin typeface="Consolas" panose="020B0609020204030204" pitchFamily="49" charset="0"/>
               </a:rPr>
-              <a:t>PruebaInterfazImplicita</a:t>
+              <a:t>obj</a:t>
             </a:r>
             <a:r>
               <a:rPr lang="es-AR" sz="2000" dirty="0">
@@ -11882,62 +11909,50 @@
                 </a:solidFill>
                 <a:latin typeface="Consolas" panose="020B0609020204030204" pitchFamily="49" charset="0"/>
               </a:rPr>
+              <a:t> = </a:t>
+            </a:r>
+            <a:r>
+              <a:rPr lang="es-AR" sz="2000" dirty="0">
+                <a:solidFill>
+                  <a:srgbClr val="0000FF"/>
+                </a:solidFill>
+                <a:latin typeface="Consolas" panose="020B0609020204030204" pitchFamily="49" charset="0"/>
+              </a:rPr>
+              <a:t>new</a:t>
+            </a:r>
+            <a:r>
+              <a:rPr lang="es-AR" sz="2000" dirty="0">
+                <a:solidFill>
+                  <a:srgbClr val="000000"/>
+                </a:solidFill>
+                <a:latin typeface="Consolas" panose="020B0609020204030204" pitchFamily="49" charset="0"/>
+              </a:rPr>
               <a:t> </a:t>
             </a:r>
             <a:r>
-              <a:rPr lang="es-AR" sz="2000" dirty="0" err="1">
+              <a:rPr lang="es-AR" sz="2000" dirty="0" err="1" smtClean="0">
                 <a:solidFill>
                   <a:srgbClr val="000000"/>
                 </a:solidFill>
                 <a:latin typeface="Consolas" panose="020B0609020204030204" pitchFamily="49" charset="0"/>
               </a:rPr>
-              <a:t>obj</a:t>
-            </a:r>
-            <a:r>
-              <a:rPr lang="es-AR" sz="2000" dirty="0">
+              <a:t>PruebaInterfazExplicita</a:t>
+            </a:r>
+            <a:r>
+              <a:rPr lang="es-AR" sz="2000" dirty="0" smtClean="0">
                 <a:solidFill>
                   <a:srgbClr val="000000"/>
                 </a:solidFill>
                 <a:latin typeface="Consolas" panose="020B0609020204030204" pitchFamily="49" charset="0"/>
               </a:rPr>
-              <a:t> = </a:t>
-            </a:r>
-            <a:r>
-              <a:rPr lang="es-AR" sz="2000" dirty="0">
-                <a:solidFill>
-                  <a:srgbClr val="0000FF"/>
-                </a:solidFill>
-                <a:latin typeface="Consolas" panose="020B0609020204030204" pitchFamily="49" charset="0"/>
-              </a:rPr>
-              <a:t>new</a:t>
-            </a:r>
-            <a:r>
-              <a:rPr lang="es-AR" sz="2000" dirty="0">
-                <a:solidFill>
-                  <a:srgbClr val="000000"/>
-                </a:solidFill>
-                <a:latin typeface="Consolas" panose="020B0609020204030204" pitchFamily="49" charset="0"/>
-              </a:rPr>
-              <a:t> </a:t>
-            </a:r>
-            <a:r>
-              <a:rPr lang="es-AR" sz="2000" dirty="0" err="1">
-                <a:solidFill>
-                  <a:srgbClr val="000000"/>
-                </a:solidFill>
-                <a:latin typeface="Consolas" panose="020B0609020204030204" pitchFamily="49" charset="0"/>
-              </a:rPr>
-              <a:t>PruebaInterfazImplicita</a:t>
-            </a:r>
-            <a:r>
-              <a:rPr lang="es-AR" sz="2000" dirty="0" smtClean="0">
-                <a:solidFill>
-                  <a:srgbClr val="000000"/>
-                </a:solidFill>
-                <a:latin typeface="Consolas" panose="020B0609020204030204" pitchFamily="49" charset="0"/>
-              </a:rPr>
               <a:t>();</a:t>
             </a:r>
+            <a:endParaRPr lang="es-AR" sz="2000" dirty="0" smtClean="0">
+              <a:solidFill>
+                <a:srgbClr val="000000"/>
+              </a:solidFill>
+              <a:latin typeface="Consolas" panose="020B0609020204030204" pitchFamily="49" charset="0"/>
+            </a:endParaRPr>
           </a:p>
           <a:p>
             <a:pPr marL="76200" indent="0">
